--- a/slides/14-euler-paths-circuits.pptx
+++ b/slides/14-euler-paths-circuits.pptx
@@ -5,19 +5,20 @@
     <p:sldMasterId id="2147483852" r:id="rId1"/>
   </p:sldMasterIdLst>
   <p:notesMasterIdLst>
-    <p:notesMasterId r:id="rId12"/>
+    <p:notesMasterId r:id="rId13"/>
   </p:notesMasterIdLst>
   <p:sldIdLst>
     <p:sldId id="256" r:id="rId2"/>
     <p:sldId id="257" r:id="rId3"/>
-    <p:sldId id="375" r:id="rId4"/>
-    <p:sldId id="406" r:id="rId5"/>
-    <p:sldId id="408" r:id="rId6"/>
-    <p:sldId id="409" r:id="rId7"/>
-    <p:sldId id="410" r:id="rId8"/>
-    <p:sldId id="411" r:id="rId9"/>
-    <p:sldId id="412" r:id="rId10"/>
-    <p:sldId id="413" r:id="rId11"/>
+    <p:sldId id="414" r:id="rId4"/>
+    <p:sldId id="375" r:id="rId5"/>
+    <p:sldId id="406" r:id="rId6"/>
+    <p:sldId id="408" r:id="rId7"/>
+    <p:sldId id="409" r:id="rId8"/>
+    <p:sldId id="410" r:id="rId9"/>
+    <p:sldId id="411" r:id="rId10"/>
+    <p:sldId id="412" r:id="rId11"/>
+    <p:sldId id="413" r:id="rId12"/>
   </p:sldIdLst>
   <p:sldSz cx="12192000" cy="6858000"/>
   <p:notesSz cx="6858000" cy="9144000"/>
@@ -206,7 +207,7 @@
           <a:p>
             <a:fld id="{3CBB8A52-8AC5-C74C-97FB-632C448F3674}" type="datetimeFigureOut">
               <a:rPr lang="en-US" smtClean="0"/>
-              <a:t>4/8/24</a:t>
+              <a:t>4/9/24</a:t>
             </a:fld>
             <a:endParaRPr lang="en-US"/>
           </a:p>
@@ -568,7 +569,7 @@
           <a:p>
             <a:fld id="{77F12483-E947-6F4E-A75E-B2E677827779}" type="slidenum">
               <a:rPr lang="en-US" smtClean="0"/>
-              <a:t>3</a:t>
+              <a:t>4</a:t>
             </a:fld>
             <a:endParaRPr lang="en-US"/>
           </a:p>
@@ -679,7 +680,7 @@
           <a:p>
             <a:fld id="{77F12483-E947-6F4E-A75E-B2E677827779}" type="slidenum">
               <a:rPr lang="en-US" smtClean="0"/>
-              <a:t>4</a:t>
+              <a:t>5</a:t>
             </a:fld>
             <a:endParaRPr lang="en-US"/>
           </a:p>
@@ -818,7 +819,7 @@
           <a:p>
             <a:fld id="{77F12483-E947-6F4E-A75E-B2E677827779}" type="slidenum">
               <a:rPr lang="en-US" smtClean="0"/>
-              <a:t>5</a:t>
+              <a:t>6</a:t>
             </a:fld>
             <a:endParaRPr lang="en-US"/>
           </a:p>
@@ -932,7 +933,7 @@
           <a:p>
             <a:fld id="{77F12483-E947-6F4E-A75E-B2E677827779}" type="slidenum">
               <a:rPr lang="en-US" smtClean="0"/>
-              <a:t>6</a:t>
+              <a:t>7</a:t>
             </a:fld>
             <a:endParaRPr lang="en-US"/>
           </a:p>
@@ -1061,7 +1062,7 @@
           <a:p>
             <a:fld id="{77F12483-E947-6F4E-A75E-B2E677827779}" type="slidenum">
               <a:rPr lang="en-US" smtClean="0"/>
-              <a:t>7</a:t>
+              <a:t>8</a:t>
             </a:fld>
             <a:endParaRPr lang="en-US"/>
           </a:p>
@@ -1172,7 +1173,7 @@
           <a:p>
             <a:fld id="{77F12483-E947-6F4E-A75E-B2E677827779}" type="slidenum">
               <a:rPr lang="en-US" smtClean="0"/>
-              <a:t>8</a:t>
+              <a:t>9</a:t>
             </a:fld>
             <a:endParaRPr lang="en-US"/>
           </a:p>
@@ -1286,7 +1287,7 @@
           <a:p>
             <a:fld id="{77F12483-E947-6F4E-A75E-B2E677827779}" type="slidenum">
               <a:rPr lang="en-US" smtClean="0"/>
-              <a:t>9</a:t>
+              <a:t>10</a:t>
             </a:fld>
             <a:endParaRPr lang="en-US"/>
           </a:p>
@@ -1400,7 +1401,7 @@
           <a:p>
             <a:fld id="{77F12483-E947-6F4E-A75E-B2E677827779}" type="slidenum">
               <a:rPr lang="en-US" smtClean="0"/>
-              <a:t>10</a:t>
+              <a:t>11</a:t>
             </a:fld>
             <a:endParaRPr lang="en-US"/>
           </a:p>
@@ -1644,7 +1645,7 @@
             <a:fld id="{5586B75A-687E-405C-8A0B-8D00578BA2C3}" type="datetimeFigureOut">
               <a:rPr lang="en-US" smtClean="0"/>
               <a:pPr/>
-              <a:t>4/8/24</a:t>
+              <a:t>4/9/24</a:t>
             </a:fld>
             <a:endParaRPr lang="en-US" dirty="0"/>
           </a:p>
@@ -1816,7 +1817,7 @@
             <a:fld id="{5586B75A-687E-405C-8A0B-8D00578BA2C3}" type="datetimeFigureOut">
               <a:rPr lang="en-US" smtClean="0"/>
               <a:pPr/>
-              <a:t>4/8/24</a:t>
+              <a:t>4/9/24</a:t>
             </a:fld>
             <a:endParaRPr lang="en-US" dirty="0"/>
           </a:p>
@@ -1998,7 +1999,7 @@
             <a:fld id="{5586B75A-687E-405C-8A0B-8D00578BA2C3}" type="datetimeFigureOut">
               <a:rPr lang="en-US" smtClean="0"/>
               <a:pPr/>
-              <a:t>4/8/24</a:t>
+              <a:t>4/9/24</a:t>
             </a:fld>
             <a:endParaRPr lang="en-US" dirty="0"/>
           </a:p>
@@ -2170,7 +2171,7 @@
             <a:fld id="{5586B75A-687E-405C-8A0B-8D00578BA2C3}" type="datetimeFigureOut">
               <a:rPr lang="en-US" smtClean="0"/>
               <a:pPr/>
-              <a:t>4/8/24</a:t>
+              <a:t>4/9/24</a:t>
             </a:fld>
             <a:endParaRPr lang="en-US" dirty="0"/>
           </a:p>
@@ -2426,7 +2427,7 @@
             <a:fld id="{5586B75A-687E-405C-8A0B-8D00578BA2C3}" type="datetimeFigureOut">
               <a:rPr lang="en-US" smtClean="0"/>
               <a:pPr/>
-              <a:t>4/8/24</a:t>
+              <a:t>4/9/24</a:t>
             </a:fld>
             <a:endParaRPr lang="en-US" dirty="0"/>
           </a:p>
@@ -2716,7 +2717,7 @@
             <a:fld id="{5586B75A-687E-405C-8A0B-8D00578BA2C3}" type="datetimeFigureOut">
               <a:rPr lang="en-US" smtClean="0"/>
               <a:pPr/>
-              <a:t>4/8/24</a:t>
+              <a:t>4/9/24</a:t>
             </a:fld>
             <a:endParaRPr lang="en-US" dirty="0"/>
           </a:p>
@@ -3160,7 +3161,7 @@
             <a:fld id="{5586B75A-687E-405C-8A0B-8D00578BA2C3}" type="datetimeFigureOut">
               <a:rPr lang="en-US" smtClean="0"/>
               <a:pPr/>
-              <a:t>4/8/24</a:t>
+              <a:t>4/9/24</a:t>
             </a:fld>
             <a:endParaRPr lang="en-US" dirty="0"/>
           </a:p>
@@ -3280,7 +3281,7 @@
             <a:fld id="{5586B75A-687E-405C-8A0B-8D00578BA2C3}" type="datetimeFigureOut">
               <a:rPr lang="en-US" smtClean="0"/>
               <a:pPr/>
-              <a:t>4/8/24</a:t>
+              <a:t>4/9/24</a:t>
             </a:fld>
             <a:endParaRPr lang="en-US" dirty="0"/>
           </a:p>
@@ -3377,7 +3378,7 @@
             <a:fld id="{5586B75A-687E-405C-8A0B-8D00578BA2C3}" type="datetimeFigureOut">
               <a:rPr lang="en-US" smtClean="0"/>
               <a:pPr/>
-              <a:t>4/8/24</a:t>
+              <a:t>4/9/24</a:t>
             </a:fld>
             <a:endParaRPr lang="en-US" dirty="0"/>
           </a:p>
@@ -3667,7 +3668,7 @@
             <a:fld id="{5586B75A-687E-405C-8A0B-8D00578BA2C3}" type="datetimeFigureOut">
               <a:rPr lang="en-US" smtClean="0"/>
               <a:pPr/>
-              <a:t>4/8/24</a:t>
+              <a:t>4/9/24</a:t>
             </a:fld>
             <a:endParaRPr lang="en-US" dirty="0"/>
           </a:p>
@@ -3942,7 +3943,7 @@
             <a:fld id="{5586B75A-687E-405C-8A0B-8D00578BA2C3}" type="datetimeFigureOut">
               <a:rPr lang="en-US" smtClean="0"/>
               <a:pPr/>
-              <a:t>4/8/24</a:t>
+              <a:t>4/9/24</a:t>
             </a:fld>
             <a:endParaRPr lang="en-US" dirty="0"/>
           </a:p>
@@ -4241,7 +4242,7 @@
             <a:fld id="{5586B75A-687E-405C-8A0B-8D00578BA2C3}" type="datetimeFigureOut">
               <a:rPr lang="en-US" smtClean="0"/>
               <a:pPr/>
-              <a:t>4/8/24</a:t>
+              <a:t>4/9/24</a:t>
             </a:fld>
             <a:endParaRPr lang="en-US" dirty="0"/>
           </a:p>
@@ -5228,6 +5229,531 @@
               <a:buFont typeface="Wingdings 2" pitchFamily="18" charset="2"/>
               <a:buNone/>
             </a:pPr>
+            <a:endParaRPr lang="en-US" sz="2400" dirty="0">
+              <a:solidFill>
+                <a:schemeClr val="tx1"/>
+              </a:solidFill>
+              <a:latin typeface="Open Sans" panose="020B0606030504020204" pitchFamily="34" charset="0"/>
+            </a:endParaRPr>
+          </a:p>
+        </p:txBody>
+      </p:sp>
+      <p:pic>
+        <p:nvPicPr>
+          <p:cNvPr id="4" name="Picture 3" descr="A white background with black dots&#10;&#10;Description automatically generated">
+            <a:extLst>
+              <a:ext uri="{FF2B5EF4-FFF2-40B4-BE49-F238E27FC236}">
+                <a16:creationId xmlns:a16="http://schemas.microsoft.com/office/drawing/2014/main" id="{CFDA82C1-6A5A-9FFC-0304-13072E2614EC}"/>
+              </a:ext>
+            </a:extLst>
+          </p:cNvPr>
+          <p:cNvPicPr>
+            <a:picLocks noChangeAspect="1"/>
+          </p:cNvPicPr>
+          <p:nvPr/>
+        </p:nvPicPr>
+        <p:blipFill>
+          <a:blip r:embed="rId3"/>
+          <a:stretch>
+            <a:fillRect/>
+          </a:stretch>
+        </p:blipFill>
+        <p:spPr>
+          <a:xfrm>
+            <a:off x="3944620" y="3016250"/>
+            <a:ext cx="6749506" cy="1921510"/>
+          </a:xfrm>
+          <a:prstGeom prst="rect">
+            <a:avLst/>
+          </a:prstGeom>
+        </p:spPr>
+      </p:pic>
+      <p:sp>
+        <p:nvSpPr>
+          <p:cNvPr id="5" name="Rounded Rectangle 4">
+            <a:extLst>
+              <a:ext uri="{FF2B5EF4-FFF2-40B4-BE49-F238E27FC236}">
+                <a16:creationId xmlns:a16="http://schemas.microsoft.com/office/drawing/2014/main" id="{772AC0C0-2286-16E3-31AD-7CDEE7BD6CCE}"/>
+              </a:ext>
+            </a:extLst>
+          </p:cNvPr>
+          <p:cNvSpPr/>
+          <p:nvPr/>
+        </p:nvSpPr>
+        <p:spPr>
+          <a:xfrm>
+            <a:off x="4460294" y="5084994"/>
+            <a:ext cx="5886706" cy="1525033"/>
+          </a:xfrm>
+          <a:prstGeom prst="roundRect">
+            <a:avLst/>
+          </a:prstGeom>
+        </p:spPr>
+        <p:style>
+          <a:lnRef idx="0">
+            <a:schemeClr val="accent5"/>
+          </a:lnRef>
+          <a:fillRef idx="3">
+            <a:schemeClr val="accent5"/>
+          </a:fillRef>
+          <a:effectRef idx="3">
+            <a:schemeClr val="accent5"/>
+          </a:effectRef>
+          <a:fontRef idx="minor">
+            <a:schemeClr val="lt1"/>
+          </a:fontRef>
+        </p:style>
+        <p:txBody>
+          <a:bodyPr rtlCol="0" anchor="ctr"/>
+          <a:lstStyle/>
+          <a:p>
+            <a:r>
+              <a:rPr lang="en-US" sz="2400" dirty="0"/>
+              <a:t>Do these graphs have a Hamiltonian path? </a:t>
+            </a:r>
+          </a:p>
+        </p:txBody>
+      </p:sp>
+    </p:spTree>
+    <p:extLst>
+      <p:ext uri="{BB962C8B-B14F-4D97-AF65-F5344CB8AC3E}">
+        <p14:creationId xmlns:p14="http://schemas.microsoft.com/office/powerpoint/2010/main" val="3843053015"/>
+      </p:ext>
+    </p:extLst>
+  </p:cSld>
+  <p:clrMapOvr>
+    <a:masterClrMapping/>
+  </p:clrMapOvr>
+</p:sld>
+</file>
+
+<file path=ppt/slides/slide11.xml><?xml version="1.0" encoding="utf-8"?>
+<p:sld xmlns:a="http://schemas.openxmlformats.org/drawingml/2006/main" xmlns:r="http://schemas.openxmlformats.org/officeDocument/2006/relationships" xmlns:p="http://schemas.openxmlformats.org/presentationml/2006/main">
+  <p:cSld>
+    <p:spTree>
+      <p:nvGrpSpPr>
+        <p:cNvPr id="1" name="">
+          <a:extLst>
+            <a:ext uri="{FF2B5EF4-FFF2-40B4-BE49-F238E27FC236}">
+              <a16:creationId xmlns:a16="http://schemas.microsoft.com/office/drawing/2014/main" id="{7E52BDC3-A2C5-E06B-A6A0-5C6F1DB2F8FD}"/>
+            </a:ext>
+          </a:extLst>
+        </p:cNvPr>
+        <p:cNvGrpSpPr/>
+        <p:nvPr/>
+      </p:nvGrpSpPr>
+      <p:grpSpPr>
+        <a:xfrm>
+          <a:off x="0" y="0"/>
+          <a:ext cx="0" cy="0"/>
+          <a:chOff x="0" y="0"/>
+          <a:chExt cx="0" cy="0"/>
+        </a:xfrm>
+      </p:grpSpPr>
+      <p:sp>
+        <p:nvSpPr>
+          <p:cNvPr id="2" name="Title 1">
+            <a:extLst>
+              <a:ext uri="{FF2B5EF4-FFF2-40B4-BE49-F238E27FC236}">
+                <a16:creationId xmlns:a16="http://schemas.microsoft.com/office/drawing/2014/main" id="{77CC2D04-2621-6F97-66B9-D05FF06D53C3}"/>
+              </a:ext>
+            </a:extLst>
+          </p:cNvPr>
+          <p:cNvSpPr>
+            <a:spLocks noGrp="1"/>
+          </p:cNvSpPr>
+          <p:nvPr>
+            <p:ph type="title"/>
+          </p:nvPr>
+        </p:nvSpPr>
+        <p:spPr/>
+        <p:txBody>
+          <a:bodyPr/>
+          <a:lstStyle/>
+          <a:p>
+            <a:r>
+              <a:rPr lang="en-US" dirty="0"/>
+              <a:t>Hamiltonian Paths</a:t>
+            </a:r>
+          </a:p>
+        </p:txBody>
+      </p:sp>
+      <p:sp>
+        <p:nvSpPr>
+          <p:cNvPr id="7" name="Content Placeholder 2">
+            <a:extLst>
+              <a:ext uri="{FF2B5EF4-FFF2-40B4-BE49-F238E27FC236}">
+                <a16:creationId xmlns:a16="http://schemas.microsoft.com/office/drawing/2014/main" id="{A2A23143-23FE-2814-A561-D6223D8E1CEC}"/>
+              </a:ext>
+            </a:extLst>
+          </p:cNvPr>
+          <p:cNvSpPr txBox="1">
+            <a:spLocks/>
+          </p:cNvSpPr>
+          <p:nvPr/>
+        </p:nvSpPr>
+        <p:spPr>
+          <a:xfrm>
+            <a:off x="3456123" y="247973"/>
+            <a:ext cx="7895049" cy="6214820"/>
+          </a:xfrm>
+          <a:prstGeom prst="rect">
+            <a:avLst/>
+          </a:prstGeom>
+        </p:spPr>
+        <p:txBody>
+          <a:bodyPr vert="horz" lIns="91440" tIns="45720" rIns="91440" bIns="45720" rtlCol="0" anchor="t">
+            <a:normAutofit/>
+          </a:bodyPr>
+          <a:lstStyle>
+            <a:lvl1pPr marL="182880" indent="-182880" algn="l" defTabSz="914400" rtl="0" eaLnBrk="1" latinLnBrk="0" hangingPunct="1">
+              <a:lnSpc>
+                <a:spcPct val="90000"/>
+              </a:lnSpc>
+              <a:spcBef>
+                <a:spcPts val="1200"/>
+              </a:spcBef>
+              <a:buClr>
+                <a:schemeClr val="accent1"/>
+              </a:buClr>
+              <a:buFont typeface="Wingdings 2" pitchFamily="18" charset="2"/>
+              <a:buChar char=""/>
+              <a:defRPr sz="2000" kern="1200">
+                <a:solidFill>
+                  <a:schemeClr val="tx1">
+                    <a:lumMod val="75000"/>
+                    <a:lumOff val="25000"/>
+                  </a:schemeClr>
+                </a:solidFill>
+                <a:latin typeface="+mn-lt"/>
+                <a:ea typeface="+mn-ea"/>
+                <a:cs typeface="+mn-cs"/>
+              </a:defRPr>
+            </a:lvl1pPr>
+            <a:lvl2pPr marL="685800" indent="-182880" algn="l" defTabSz="914400" rtl="0" eaLnBrk="1" latinLnBrk="0" hangingPunct="1">
+              <a:lnSpc>
+                <a:spcPct val="90000"/>
+              </a:lnSpc>
+              <a:spcBef>
+                <a:spcPts val="250"/>
+              </a:spcBef>
+              <a:spcAft>
+                <a:spcPts val="250"/>
+              </a:spcAft>
+              <a:buClr>
+                <a:schemeClr val="accent1"/>
+              </a:buClr>
+              <a:buFont typeface="Wingdings 2" pitchFamily="18" charset="2"/>
+              <a:buChar char=""/>
+              <a:defRPr sz="1800" kern="1200">
+                <a:solidFill>
+                  <a:schemeClr val="tx1">
+                    <a:lumMod val="75000"/>
+                    <a:lumOff val="25000"/>
+                  </a:schemeClr>
+                </a:solidFill>
+                <a:latin typeface="+mn-lt"/>
+                <a:ea typeface="+mn-ea"/>
+                <a:cs typeface="+mn-cs"/>
+              </a:defRPr>
+            </a:lvl2pPr>
+            <a:lvl3pPr marL="1143000" indent="-182880" algn="l" defTabSz="914400" rtl="0" eaLnBrk="1" latinLnBrk="0" hangingPunct="1">
+              <a:lnSpc>
+                <a:spcPct val="90000"/>
+              </a:lnSpc>
+              <a:spcBef>
+                <a:spcPts val="250"/>
+              </a:spcBef>
+              <a:spcAft>
+                <a:spcPts val="250"/>
+              </a:spcAft>
+              <a:buClr>
+                <a:schemeClr val="accent1"/>
+              </a:buClr>
+              <a:buFont typeface="Wingdings 2" pitchFamily="18" charset="2"/>
+              <a:buChar char=""/>
+              <a:defRPr sz="1600" kern="1200">
+                <a:solidFill>
+                  <a:schemeClr val="tx1">
+                    <a:lumMod val="75000"/>
+                    <a:lumOff val="25000"/>
+                  </a:schemeClr>
+                </a:solidFill>
+                <a:latin typeface="+mn-lt"/>
+                <a:ea typeface="+mn-ea"/>
+                <a:cs typeface="+mn-cs"/>
+              </a:defRPr>
+            </a:lvl3pPr>
+            <a:lvl4pPr marL="1600200" indent="-182880" algn="l" defTabSz="914400" rtl="0" eaLnBrk="1" latinLnBrk="0" hangingPunct="1">
+              <a:lnSpc>
+                <a:spcPct val="90000"/>
+              </a:lnSpc>
+              <a:spcBef>
+                <a:spcPts val="250"/>
+              </a:spcBef>
+              <a:spcAft>
+                <a:spcPts val="250"/>
+              </a:spcAft>
+              <a:buClr>
+                <a:schemeClr val="accent1"/>
+              </a:buClr>
+              <a:buFont typeface="Wingdings 2" pitchFamily="18" charset="2"/>
+              <a:buChar char=""/>
+              <a:defRPr sz="1400" kern="1200">
+                <a:solidFill>
+                  <a:schemeClr val="tx1">
+                    <a:lumMod val="75000"/>
+                    <a:lumOff val="25000"/>
+                  </a:schemeClr>
+                </a:solidFill>
+                <a:latin typeface="+mn-lt"/>
+                <a:ea typeface="+mn-ea"/>
+                <a:cs typeface="+mn-cs"/>
+              </a:defRPr>
+            </a:lvl4pPr>
+            <a:lvl5pPr marL="2057400" indent="-182880" algn="l" defTabSz="914400" rtl="0" eaLnBrk="1" latinLnBrk="0" hangingPunct="1">
+              <a:lnSpc>
+                <a:spcPct val="90000"/>
+              </a:lnSpc>
+              <a:spcBef>
+                <a:spcPts val="250"/>
+              </a:spcBef>
+              <a:spcAft>
+                <a:spcPts val="250"/>
+              </a:spcAft>
+              <a:buClr>
+                <a:schemeClr val="accent1"/>
+              </a:buClr>
+              <a:buFont typeface="Wingdings 2" pitchFamily="18" charset="2"/>
+              <a:buChar char=""/>
+              <a:defRPr sz="1400" kern="1200">
+                <a:solidFill>
+                  <a:schemeClr val="tx1">
+                    <a:lumMod val="75000"/>
+                    <a:lumOff val="25000"/>
+                  </a:schemeClr>
+                </a:solidFill>
+                <a:latin typeface="+mn-lt"/>
+                <a:ea typeface="+mn-ea"/>
+                <a:cs typeface="+mn-cs"/>
+              </a:defRPr>
+            </a:lvl5pPr>
+            <a:lvl6pPr marL="2514600" indent="-228600" algn="l" defTabSz="914400" rtl="0" eaLnBrk="1" latinLnBrk="0" hangingPunct="1">
+              <a:lnSpc>
+                <a:spcPct val="90000"/>
+              </a:lnSpc>
+              <a:spcBef>
+                <a:spcPts val="250"/>
+              </a:spcBef>
+              <a:spcAft>
+                <a:spcPts val="250"/>
+              </a:spcAft>
+              <a:buClr>
+                <a:schemeClr val="accent1"/>
+              </a:buClr>
+              <a:buFont typeface="Wingdings 2" pitchFamily="18" charset="2"/>
+              <a:buChar char=""/>
+              <a:defRPr sz="1400" kern="1200">
+                <a:solidFill>
+                  <a:schemeClr val="tx1">
+                    <a:lumMod val="75000"/>
+                    <a:lumOff val="25000"/>
+                  </a:schemeClr>
+                </a:solidFill>
+                <a:latin typeface="+mn-lt"/>
+                <a:ea typeface="+mn-ea"/>
+                <a:cs typeface="+mn-cs"/>
+              </a:defRPr>
+            </a:lvl6pPr>
+            <a:lvl7pPr marL="2971800" indent="-228600" algn="l" defTabSz="914400" rtl="0" eaLnBrk="1" latinLnBrk="0" hangingPunct="1">
+              <a:lnSpc>
+                <a:spcPct val="90000"/>
+              </a:lnSpc>
+              <a:spcBef>
+                <a:spcPts val="250"/>
+              </a:spcBef>
+              <a:spcAft>
+                <a:spcPts val="250"/>
+              </a:spcAft>
+              <a:buClr>
+                <a:schemeClr val="accent1"/>
+              </a:buClr>
+              <a:buFont typeface="Wingdings 2" pitchFamily="18" charset="2"/>
+              <a:buChar char=""/>
+              <a:defRPr sz="1400" kern="1200">
+                <a:solidFill>
+                  <a:schemeClr val="tx1">
+                    <a:lumMod val="75000"/>
+                    <a:lumOff val="25000"/>
+                  </a:schemeClr>
+                </a:solidFill>
+                <a:latin typeface="+mn-lt"/>
+                <a:ea typeface="+mn-ea"/>
+                <a:cs typeface="+mn-cs"/>
+              </a:defRPr>
+            </a:lvl7pPr>
+            <a:lvl8pPr marL="3429000" indent="-228600" algn="l" defTabSz="914400" rtl="0" eaLnBrk="1" latinLnBrk="0" hangingPunct="1">
+              <a:lnSpc>
+                <a:spcPct val="90000"/>
+              </a:lnSpc>
+              <a:spcBef>
+                <a:spcPts val="250"/>
+              </a:spcBef>
+              <a:spcAft>
+                <a:spcPts val="250"/>
+              </a:spcAft>
+              <a:buClr>
+                <a:schemeClr val="accent1"/>
+              </a:buClr>
+              <a:buFont typeface="Wingdings 2" pitchFamily="18" charset="2"/>
+              <a:buChar char=""/>
+              <a:defRPr sz="1400" kern="1200">
+                <a:solidFill>
+                  <a:schemeClr val="tx1">
+                    <a:lumMod val="75000"/>
+                    <a:lumOff val="25000"/>
+                  </a:schemeClr>
+                </a:solidFill>
+                <a:latin typeface="+mn-lt"/>
+                <a:ea typeface="+mn-ea"/>
+                <a:cs typeface="+mn-cs"/>
+              </a:defRPr>
+            </a:lvl8pPr>
+            <a:lvl9pPr marL="3886200" indent="-228600" algn="l" defTabSz="914400" rtl="0" eaLnBrk="1" latinLnBrk="0" hangingPunct="1">
+              <a:lnSpc>
+                <a:spcPct val="90000"/>
+              </a:lnSpc>
+              <a:spcBef>
+                <a:spcPts val="250"/>
+              </a:spcBef>
+              <a:spcAft>
+                <a:spcPts val="250"/>
+              </a:spcAft>
+              <a:buClr>
+                <a:schemeClr val="accent1"/>
+              </a:buClr>
+              <a:buFont typeface="Wingdings 2" pitchFamily="18" charset="2"/>
+              <a:buChar char=""/>
+              <a:defRPr sz="1400" kern="1200">
+                <a:solidFill>
+                  <a:schemeClr val="tx1">
+                    <a:lumMod val="75000"/>
+                    <a:lumOff val="25000"/>
+                  </a:schemeClr>
+                </a:solidFill>
+                <a:latin typeface="+mn-lt"/>
+                <a:ea typeface="+mn-ea"/>
+                <a:cs typeface="+mn-cs"/>
+              </a:defRPr>
+            </a:lvl9pPr>
+          </a:lstStyle>
+          <a:p>
+            <a:pPr marL="0" indent="0">
+              <a:buFont typeface="Wingdings 2" pitchFamily="18" charset="2"/>
+              <a:buNone/>
+            </a:pPr>
+            <a:endParaRPr lang="en-US" sz="2400" dirty="0">
+              <a:solidFill>
+                <a:schemeClr val="tx1"/>
+              </a:solidFill>
+              <a:latin typeface="Open Sans" panose="020B0606030504020204" pitchFamily="34" charset="0"/>
+            </a:endParaRPr>
+          </a:p>
+          <a:p>
+            <a:pPr marL="0" indent="0">
+              <a:buFont typeface="Wingdings 2" pitchFamily="18" charset="2"/>
+              <a:buNone/>
+            </a:pPr>
+            <a:r>
+              <a:rPr lang="en-US" sz="2400" dirty="0">
+                <a:solidFill>
+                  <a:schemeClr val="tx1"/>
+                </a:solidFill>
+                <a:latin typeface="Open Sans" panose="020B0606030504020204" pitchFamily="34" charset="0"/>
+              </a:rPr>
+              <a:t>A </a:t>
+            </a:r>
+            <a:r>
+              <a:rPr lang="en-US" sz="2400" b="1" i="1" dirty="0">
+                <a:solidFill>
+                  <a:schemeClr val="tx1"/>
+                </a:solidFill>
+                <a:latin typeface="Open Sans" panose="020B0606030504020204" pitchFamily="34" charset="0"/>
+              </a:rPr>
+              <a:t>Hamiltonian path </a:t>
+            </a:r>
+            <a:r>
+              <a:rPr lang="en-US" sz="2400" dirty="0">
+                <a:solidFill>
+                  <a:schemeClr val="tx1"/>
+                </a:solidFill>
+                <a:latin typeface="Open Sans" panose="020B0606030504020204" pitchFamily="34" charset="0"/>
+              </a:rPr>
+              <a:t>is a path which visits every vertex exactly once.  </a:t>
+            </a:r>
+          </a:p>
+          <a:p>
+            <a:pPr marL="0" indent="0">
+              <a:buFont typeface="Wingdings 2" pitchFamily="18" charset="2"/>
+              <a:buNone/>
+            </a:pPr>
+            <a:endParaRPr lang="en-US" sz="2400" dirty="0">
+              <a:solidFill>
+                <a:schemeClr val="tx1"/>
+              </a:solidFill>
+              <a:latin typeface="Open Sans" panose="020B0606030504020204" pitchFamily="34" charset="0"/>
+            </a:endParaRPr>
+          </a:p>
+          <a:p>
+            <a:pPr marL="0" indent="0">
+              <a:buFont typeface="Wingdings 2" pitchFamily="18" charset="2"/>
+              <a:buNone/>
+            </a:pPr>
+            <a:r>
+              <a:rPr lang="en-US" sz="2400" dirty="0">
+                <a:solidFill>
+                  <a:schemeClr val="tx1"/>
+                </a:solidFill>
+                <a:latin typeface="Open Sans" panose="020B0606030504020204" pitchFamily="34" charset="0"/>
+              </a:rPr>
+              <a:t>A </a:t>
+            </a:r>
+            <a:r>
+              <a:rPr lang="en-US" sz="2400" b="1" i="1" dirty="0">
+                <a:solidFill>
+                  <a:schemeClr val="tx1"/>
+                </a:solidFill>
+                <a:latin typeface="Open Sans" panose="020B0606030504020204" pitchFamily="34" charset="0"/>
+              </a:rPr>
+              <a:t>Hamiltonian cycle </a:t>
+            </a:r>
+            <a:r>
+              <a:rPr lang="en-US" sz="2400" dirty="0">
+                <a:solidFill>
+                  <a:schemeClr val="tx1"/>
+                </a:solidFill>
+                <a:latin typeface="Open Sans" panose="020B0606030504020204" pitchFamily="34" charset="0"/>
+              </a:rPr>
+              <a:t>is a Hamiltonian path that starts and stops at the same vertex. </a:t>
+            </a:r>
+          </a:p>
+          <a:p>
+            <a:pPr marL="0" indent="0">
+              <a:buFont typeface="Wingdings 2" pitchFamily="18" charset="2"/>
+              <a:buNone/>
+            </a:pPr>
+            <a:endParaRPr lang="en-US" sz="2400" dirty="0">
+              <a:solidFill>
+                <a:schemeClr val="tx1"/>
+              </a:solidFill>
+              <a:latin typeface="Open Sans" panose="020B0606030504020204" pitchFamily="34" charset="0"/>
+            </a:endParaRPr>
+          </a:p>
+          <a:p>
+            <a:pPr marL="0" indent="0">
+              <a:buFont typeface="Wingdings 2" pitchFamily="18" charset="2"/>
+              <a:buNone/>
+            </a:pPr>
             <a:r>
               <a:rPr lang="en-US" sz="2400" dirty="0">
                 <a:solidFill>
@@ -5347,6 +5873,12 @@
           <a:p>
             <a:r>
               <a:rPr lang="en-US" sz="2400" dirty="0"/>
+              <a:t>Final Project</a:t>
+            </a:r>
+          </a:p>
+          <a:p>
+            <a:r>
+              <a:rPr lang="en-US" sz="2400" dirty="0"/>
               <a:t>Recap graph definitions </a:t>
             </a:r>
           </a:p>
@@ -5377,13 +5909,7 @@
   <p:cSld>
     <p:spTree>
       <p:nvGrpSpPr>
-        <p:cNvPr id="1" name="">
-          <a:extLst>
-            <a:ext uri="{FF2B5EF4-FFF2-40B4-BE49-F238E27FC236}">
-              <a16:creationId xmlns:a16="http://schemas.microsoft.com/office/drawing/2014/main" id="{7E52BDC3-A2C5-E06B-A6A0-5C6F1DB2F8FD}"/>
-            </a:ext>
-          </a:extLst>
-        </p:cNvPr>
+        <p:cNvPr id="1" name=""/>
         <p:cNvGrpSpPr/>
         <p:nvPr/>
       </p:nvGrpSpPr>
@@ -5400,7 +5926,7 @@
           <p:cNvPr id="2" name="Title 1">
             <a:extLst>
               <a:ext uri="{FF2B5EF4-FFF2-40B4-BE49-F238E27FC236}">
-                <a16:creationId xmlns:a16="http://schemas.microsoft.com/office/drawing/2014/main" id="{77CC2D04-2621-6F97-66B9-D05FF06D53C3}"/>
+                <a16:creationId xmlns:a16="http://schemas.microsoft.com/office/drawing/2014/main" id="{10D330C2-52A4-1ABA-980B-56FBC97F350C}"/>
               </a:ext>
             </a:extLst>
           </p:cNvPr>
@@ -5418,17 +5944,17 @@
           <a:p>
             <a:r>
               <a:rPr lang="en-US" dirty="0"/>
-              <a:t>Warm Up: Recap  </a:t>
-            </a:r>
-          </a:p>
-        </p:txBody>
-      </p:sp>
-      <p:sp>
-        <p:nvSpPr>
-          <p:cNvPr id="6" name="Content Placeholder 2">
+              <a:t>Final Project</a:t>
+            </a:r>
+          </a:p>
+        </p:txBody>
+      </p:sp>
+      <p:sp>
+        <p:nvSpPr>
+          <p:cNvPr id="3" name="Content Placeholder 2">
             <a:extLst>
               <a:ext uri="{FF2B5EF4-FFF2-40B4-BE49-F238E27FC236}">
-                <a16:creationId xmlns:a16="http://schemas.microsoft.com/office/drawing/2014/main" id="{CD07974E-1D3A-1FFC-034F-263C6F96CB6E}"/>
+                <a16:creationId xmlns:a16="http://schemas.microsoft.com/office/drawing/2014/main" id="{9EAE50F6-429C-715A-C25C-1C7744AED1CF}"/>
               </a:ext>
             </a:extLst>
           </p:cNvPr>
@@ -5439,344 +5965,35 @@
             <p:ph idx="1"/>
           </p:nvPr>
         </p:nvSpPr>
-        <p:spPr>
-          <a:xfrm>
-            <a:off x="7334654" y="247973"/>
-            <a:ext cx="4599059" cy="6610027"/>
-          </a:xfrm>
-        </p:spPr>
-        <p:txBody>
-          <a:bodyPr anchor="t">
-            <a:normAutofit fontScale="92500" lnSpcReduction="20000"/>
+        <p:spPr/>
+        <p:txBody>
+          <a:bodyPr>
+            <a:normAutofit/>
           </a:bodyPr>
           <a:lstStyle/>
           <a:p>
-            <a:pPr marL="0" indent="0">
-              <a:buNone/>
-            </a:pPr>
-            <a:r>
-              <a:rPr lang="en-US" sz="2400" dirty="0">
-                <a:solidFill>
-                  <a:schemeClr val="tx1"/>
-                </a:solidFill>
-                <a:latin typeface="Open Sans" panose="020B0606030504020204" pitchFamily="34" charset="0"/>
-              </a:rPr>
-              <a:t>Group 1: </a:t>
-            </a:r>
-          </a:p>
-          <a:p>
-            <a:pPr lvl="1"/>
-            <a:r>
-              <a:rPr lang="en-US" sz="2400" dirty="0">
-                <a:solidFill>
-                  <a:schemeClr val="tx1"/>
-                </a:solidFill>
-                <a:latin typeface="Open Sans" panose="020B0606030504020204" pitchFamily="34" charset="0"/>
-              </a:rPr>
-              <a:t>Graph definition, drawing </a:t>
-            </a:r>
-          </a:p>
-          <a:p>
-            <a:pPr lvl="1"/>
-            <a:r>
-              <a:rPr lang="en-US" sz="2400" dirty="0">
-                <a:solidFill>
-                  <a:schemeClr val="tx1"/>
-                </a:solidFill>
-                <a:latin typeface="Open Sans" panose="020B0606030504020204" pitchFamily="34" charset="0"/>
-              </a:rPr>
-              <a:t>Multigraph </a:t>
-            </a:r>
-          </a:p>
-          <a:p>
-            <a:pPr lvl="1"/>
-            <a:r>
-              <a:rPr lang="en-US" sz="2400" dirty="0">
-                <a:solidFill>
-                  <a:schemeClr val="tx1"/>
-                </a:solidFill>
-                <a:latin typeface="Open Sans" panose="020B0606030504020204" pitchFamily="34" charset="0"/>
-              </a:rPr>
-              <a:t>Connected graph </a:t>
-            </a:r>
-          </a:p>
-          <a:p>
-            <a:pPr lvl="1"/>
-            <a:r>
-              <a:rPr lang="en-US" sz="2400" dirty="0">
-                <a:solidFill>
-                  <a:schemeClr val="tx1"/>
-                </a:solidFill>
-                <a:latin typeface="Open Sans" panose="020B0606030504020204" pitchFamily="34" charset="0"/>
-              </a:rPr>
-              <a:t>Complete graph </a:t>
-            </a:r>
-          </a:p>
-          <a:p>
-            <a:pPr marL="0" indent="0">
-              <a:buNone/>
-            </a:pPr>
-            <a:r>
-              <a:rPr lang="en-US" sz="2400" dirty="0">
-                <a:solidFill>
-                  <a:schemeClr val="tx1"/>
-                </a:solidFill>
-                <a:latin typeface="Open Sans" panose="020B0606030504020204" pitchFamily="34" charset="0"/>
-              </a:rPr>
-              <a:t>Group 2: </a:t>
-            </a:r>
-          </a:p>
-          <a:p>
-            <a:pPr lvl="1"/>
-            <a:r>
-              <a:rPr lang="en-US" sz="2400" dirty="0">
-                <a:solidFill>
-                  <a:schemeClr val="tx1"/>
-                </a:solidFill>
-                <a:latin typeface="Open Sans" panose="020B0606030504020204" pitchFamily="34" charset="0"/>
-              </a:rPr>
-              <a:t>Graph equality </a:t>
-            </a:r>
-          </a:p>
-          <a:p>
-            <a:pPr lvl="1"/>
-            <a:r>
-              <a:rPr lang="en-US" sz="2400" dirty="0">
-                <a:solidFill>
-                  <a:schemeClr val="tx1"/>
-                </a:solidFill>
-                <a:latin typeface="Open Sans" panose="020B0606030504020204" pitchFamily="34" charset="0"/>
-              </a:rPr>
-              <a:t>Graph isomorphism </a:t>
-            </a:r>
-          </a:p>
-          <a:p>
-            <a:pPr marL="0" indent="0">
-              <a:buNone/>
-            </a:pPr>
-            <a:r>
-              <a:rPr lang="en-US" sz="2400" dirty="0">
-                <a:solidFill>
-                  <a:schemeClr val="tx1"/>
-                </a:solidFill>
-                <a:latin typeface="Open Sans" panose="020B0606030504020204" pitchFamily="34" charset="0"/>
-              </a:rPr>
-              <a:t>Group 3:</a:t>
-            </a:r>
-          </a:p>
-          <a:p>
-            <a:pPr lvl="1"/>
-            <a:r>
-              <a:rPr lang="en-US" sz="2400" dirty="0">
-                <a:solidFill>
-                  <a:schemeClr val="tx1"/>
-                </a:solidFill>
-                <a:latin typeface="Open Sans" panose="020B0606030504020204" pitchFamily="34" charset="0"/>
-              </a:rPr>
-              <a:t>Subgraph</a:t>
-            </a:r>
-          </a:p>
-          <a:p>
-            <a:pPr lvl="1"/>
-            <a:r>
-              <a:rPr lang="en-US" sz="2400" dirty="0">
-                <a:solidFill>
-                  <a:schemeClr val="tx1"/>
-                </a:solidFill>
-                <a:latin typeface="Open Sans" panose="020B0606030504020204" pitchFamily="34" charset="0"/>
-              </a:rPr>
-              <a:t>Induced subgraph </a:t>
-            </a:r>
-          </a:p>
-          <a:p>
-            <a:pPr marL="0" indent="0">
-              <a:buNone/>
-            </a:pPr>
-            <a:r>
-              <a:rPr lang="en-US" sz="2400" dirty="0">
-                <a:solidFill>
-                  <a:schemeClr val="tx1"/>
-                </a:solidFill>
-                <a:latin typeface="Open Sans" panose="020B0606030504020204" pitchFamily="34" charset="0"/>
-              </a:rPr>
-              <a:t>Group 4: </a:t>
-            </a:r>
-          </a:p>
-          <a:p>
-            <a:pPr lvl="1"/>
-            <a:r>
-              <a:rPr lang="en-US" sz="2400" dirty="0">
-                <a:solidFill>
-                  <a:schemeClr val="tx1"/>
-                </a:solidFill>
-                <a:latin typeface="Open Sans" panose="020B0606030504020204" pitchFamily="34" charset="0"/>
-              </a:rPr>
-              <a:t>Handshake lemma </a:t>
-            </a:r>
-          </a:p>
-          <a:p>
-            <a:pPr lvl="1"/>
-            <a:r>
-              <a:rPr lang="en-US" sz="2400" dirty="0">
-                <a:solidFill>
-                  <a:schemeClr val="tx1"/>
-                </a:solidFill>
-                <a:latin typeface="Open Sans" panose="020B0606030504020204" pitchFamily="34" charset="0"/>
-              </a:rPr>
-              <a:t>Proposition: In any graph, the number of vertices with odd degree must be even.</a:t>
-            </a:r>
-          </a:p>
-          <a:p>
-            <a:pPr marL="0" indent="0">
-              <a:buNone/>
-            </a:pPr>
-            <a:r>
-              <a:rPr lang="en-US" sz="2400" dirty="0">
-                <a:solidFill>
-                  <a:schemeClr val="tx1"/>
-                </a:solidFill>
-                <a:latin typeface="Open Sans" panose="020B0606030504020204" pitchFamily="34" charset="0"/>
-              </a:rPr>
-              <a:t>Group 5: </a:t>
-            </a:r>
-          </a:p>
-          <a:p>
-            <a:pPr lvl="1"/>
-            <a:r>
-              <a:rPr lang="en-US" sz="2400" dirty="0">
-                <a:solidFill>
-                  <a:schemeClr val="tx1"/>
-                </a:solidFill>
-                <a:latin typeface="Open Sans" panose="020B0606030504020204" pitchFamily="34" charset="0"/>
-              </a:rPr>
-              <a:t>Bipartite graph </a:t>
-            </a:r>
-          </a:p>
-          <a:p>
-            <a:pPr lvl="1"/>
-            <a:r>
-              <a:rPr lang="en-US" sz="2400" dirty="0">
-                <a:solidFill>
-                  <a:schemeClr val="tx1"/>
-                </a:solidFill>
-                <a:latin typeface="Open Sans" panose="020B0606030504020204" pitchFamily="34" charset="0"/>
-              </a:rPr>
-              <a:t>Complete bipartite graph </a:t>
-            </a:r>
-          </a:p>
-        </p:txBody>
-      </p:sp>
-      <p:sp>
-        <p:nvSpPr>
-          <p:cNvPr id="3" name="Rounded Rectangle 2">
-            <a:extLst>
-              <a:ext uri="{FF2B5EF4-FFF2-40B4-BE49-F238E27FC236}">
-                <a16:creationId xmlns:a16="http://schemas.microsoft.com/office/drawing/2014/main" id="{4070FD0E-7A1E-E3D9-1C8B-9B1088C5399D}"/>
-              </a:ext>
-            </a:extLst>
-          </p:cNvPr>
-          <p:cNvSpPr/>
-          <p:nvPr/>
-        </p:nvSpPr>
-        <p:spPr>
-          <a:xfrm>
-            <a:off x="2474070" y="247973"/>
-            <a:ext cx="4766553" cy="6362054"/>
-          </a:xfrm>
-          <a:prstGeom prst="roundRect">
-            <a:avLst/>
-          </a:prstGeom>
-        </p:spPr>
-        <p:style>
-          <a:lnRef idx="0">
-            <a:schemeClr val="accent5"/>
-          </a:lnRef>
-          <a:fillRef idx="3">
-            <a:schemeClr val="accent5"/>
-          </a:fillRef>
-          <a:effectRef idx="3">
-            <a:schemeClr val="accent5"/>
-          </a:effectRef>
-          <a:fontRef idx="minor">
-            <a:schemeClr val="lt1"/>
-          </a:fontRef>
-        </p:style>
-        <p:txBody>
-          <a:bodyPr rtlCol="0" anchor="ctr"/>
-          <a:lstStyle/>
-          <a:p>
             <a:r>
               <a:rPr lang="en-US" sz="2400" dirty="0"/>
-              <a:t>Form 5 Groups</a:t>
-            </a:r>
-          </a:p>
-          <a:p>
-            <a:pPr marL="342900" indent="-342900">
-              <a:buFont typeface="Arial" panose="020B0604020202020204" pitchFamily="34" charset="0"/>
-              <a:buChar char="•"/>
-            </a:pPr>
-            <a:r>
-              <a:rPr lang="en-US" sz="2400" b="0" dirty="0"/>
-              <a:t>Each group will get a set of topics (listed to the right)</a:t>
-            </a:r>
-          </a:p>
-          <a:p>
-            <a:pPr marL="342900" indent="-342900">
-              <a:buFont typeface="Arial" panose="020B0604020202020204" pitchFamily="34" charset="0"/>
-              <a:buChar char="•"/>
-            </a:pPr>
+              <a:t>Questions? </a:t>
+            </a:r>
+          </a:p>
+          <a:p>
             <a:r>
               <a:rPr lang="en-US" sz="2400" dirty="0"/>
-              <a:t>For your topics:</a:t>
-            </a:r>
-          </a:p>
-          <a:p>
-            <a:pPr marL="800100" lvl="1" indent="-342900">
-              <a:buFont typeface="Arial" panose="020B0604020202020204" pitchFamily="34" charset="0"/>
-              <a:buChar char="•"/>
-            </a:pPr>
-            <a:r>
-              <a:rPr lang="en-US" sz="2400" b="0" dirty="0"/>
-              <a:t>Define each</a:t>
-            </a:r>
-          </a:p>
-          <a:p>
-            <a:pPr marL="800100" lvl="1" indent="-342900">
-              <a:buFont typeface="Arial" panose="020B0604020202020204" pitchFamily="34" charset="0"/>
-              <a:buChar char="•"/>
-            </a:pPr>
-            <a:r>
-              <a:rPr lang="en-US" sz="2400" dirty="0"/>
-              <a:t>Show an example of each </a:t>
-            </a:r>
-          </a:p>
-          <a:p>
-            <a:pPr marL="800100" lvl="1" indent="-342900">
-              <a:buFont typeface="Arial" panose="020B0604020202020204" pitchFamily="34" charset="0"/>
-              <a:buChar char="•"/>
-            </a:pPr>
-            <a:r>
-              <a:rPr lang="en-US" sz="2400" b="0" dirty="0"/>
-              <a:t>Choose 1 and provide a practice problem</a:t>
-            </a:r>
-          </a:p>
-          <a:p>
-            <a:pPr marL="800100" lvl="1" indent="-342900">
-              <a:buFont typeface="Arial" panose="020B0604020202020204" pitchFamily="34" charset="0"/>
-              <a:buChar char="•"/>
-            </a:pPr>
-            <a:r>
-              <a:rPr lang="en-US" sz="2400" dirty="0"/>
-              <a:t>You will walk us all through your definitions, examples, and practice problem </a:t>
-            </a:r>
-            <a:endParaRPr lang="en-US" sz="2400" b="0" dirty="0"/>
+              <a:t>Remember, your proposal is due on Thursday </a:t>
+            </a:r>
+            <a:r>
+              <a:rPr lang="en-US" sz="2400" b="1" i="1" dirty="0"/>
+              <a:t>before class</a:t>
+            </a:r>
+            <a:endParaRPr lang="en-US" sz="2200" b="1" i="1" dirty="0"/>
           </a:p>
         </p:txBody>
       </p:sp>
     </p:spTree>
     <p:extLst>
       <p:ext uri="{BB962C8B-B14F-4D97-AF65-F5344CB8AC3E}">
-        <p14:creationId xmlns:p14="http://schemas.microsoft.com/office/powerpoint/2010/main" val="3344809402"/>
+        <p14:creationId xmlns:p14="http://schemas.microsoft.com/office/powerpoint/2010/main" val="3179441358"/>
       </p:ext>
     </p:extLst>
   </p:cSld>
@@ -5832,13 +6049,427 @@
           <a:p>
             <a:r>
               <a:rPr lang="en-US" dirty="0"/>
+              <a:t>Warm Up: Recap  </a:t>
+            </a:r>
+          </a:p>
+        </p:txBody>
+      </p:sp>
+      <p:sp>
+        <p:nvSpPr>
+          <p:cNvPr id="6" name="Content Placeholder 2">
+            <a:extLst>
+              <a:ext uri="{FF2B5EF4-FFF2-40B4-BE49-F238E27FC236}">
+                <a16:creationId xmlns:a16="http://schemas.microsoft.com/office/drawing/2014/main" id="{CD07974E-1D3A-1FFC-034F-263C6F96CB6E}"/>
+              </a:ext>
+            </a:extLst>
+          </p:cNvPr>
+          <p:cNvSpPr>
+            <a:spLocks noGrp="1"/>
+          </p:cNvSpPr>
+          <p:nvPr>
+            <p:ph idx="1"/>
+          </p:nvPr>
+        </p:nvSpPr>
+        <p:spPr>
+          <a:xfrm>
+            <a:off x="7334654" y="247973"/>
+            <a:ext cx="4599059" cy="6610027"/>
+          </a:xfrm>
+        </p:spPr>
+        <p:txBody>
+          <a:bodyPr anchor="t">
+            <a:normAutofit fontScale="92500" lnSpcReduction="20000"/>
+          </a:bodyPr>
+          <a:lstStyle/>
+          <a:p>
+            <a:pPr marL="0" indent="0">
+              <a:buNone/>
+            </a:pPr>
+            <a:r>
+              <a:rPr lang="en-US" sz="2400" dirty="0">
+                <a:solidFill>
+                  <a:schemeClr val="tx1"/>
+                </a:solidFill>
+                <a:latin typeface="Open Sans" panose="020B0606030504020204" pitchFamily="34" charset="0"/>
+              </a:rPr>
+              <a:t>Group 1: </a:t>
+            </a:r>
+          </a:p>
+          <a:p>
+            <a:pPr lvl="1"/>
+            <a:r>
+              <a:rPr lang="en-US" sz="2400" dirty="0">
+                <a:solidFill>
+                  <a:schemeClr val="tx1"/>
+                </a:solidFill>
+                <a:latin typeface="Open Sans" panose="020B0606030504020204" pitchFamily="34" charset="0"/>
+              </a:rPr>
+              <a:t>Graph definition, drawing </a:t>
+            </a:r>
+          </a:p>
+          <a:p>
+            <a:pPr lvl="1"/>
+            <a:r>
+              <a:rPr lang="en-US" sz="2400" dirty="0">
+                <a:solidFill>
+                  <a:schemeClr val="tx1"/>
+                </a:solidFill>
+                <a:latin typeface="Open Sans" panose="020B0606030504020204" pitchFamily="34" charset="0"/>
+              </a:rPr>
+              <a:t>Multigraph </a:t>
+            </a:r>
+          </a:p>
+          <a:p>
+            <a:pPr lvl="1"/>
+            <a:r>
+              <a:rPr lang="en-US" sz="2400" dirty="0">
+                <a:solidFill>
+                  <a:schemeClr val="tx1"/>
+                </a:solidFill>
+                <a:latin typeface="Open Sans" panose="020B0606030504020204" pitchFamily="34" charset="0"/>
+              </a:rPr>
+              <a:t>Connected graph </a:t>
+            </a:r>
+          </a:p>
+          <a:p>
+            <a:pPr lvl="1"/>
+            <a:r>
+              <a:rPr lang="en-US" sz="2400" dirty="0">
+                <a:solidFill>
+                  <a:schemeClr val="tx1"/>
+                </a:solidFill>
+                <a:latin typeface="Open Sans" panose="020B0606030504020204" pitchFamily="34" charset="0"/>
+              </a:rPr>
+              <a:t>Complete graph </a:t>
+            </a:r>
+          </a:p>
+          <a:p>
+            <a:pPr marL="0" indent="0">
+              <a:buNone/>
+            </a:pPr>
+            <a:r>
+              <a:rPr lang="en-US" sz="2400" dirty="0">
+                <a:solidFill>
+                  <a:schemeClr val="tx1"/>
+                </a:solidFill>
+                <a:latin typeface="Open Sans" panose="020B0606030504020204" pitchFamily="34" charset="0"/>
+              </a:rPr>
+              <a:t>Group 2: </a:t>
+            </a:r>
+          </a:p>
+          <a:p>
+            <a:pPr lvl="1"/>
+            <a:r>
+              <a:rPr lang="en-US" sz="2400" dirty="0">
+                <a:solidFill>
+                  <a:schemeClr val="tx1"/>
+                </a:solidFill>
+                <a:latin typeface="Open Sans" panose="020B0606030504020204" pitchFamily="34" charset="0"/>
+              </a:rPr>
+              <a:t>Graph equality </a:t>
+            </a:r>
+          </a:p>
+          <a:p>
+            <a:pPr lvl="1"/>
+            <a:r>
+              <a:rPr lang="en-US" sz="2400" dirty="0">
+                <a:solidFill>
+                  <a:schemeClr val="tx1"/>
+                </a:solidFill>
+                <a:latin typeface="Open Sans" panose="020B0606030504020204" pitchFamily="34" charset="0"/>
+              </a:rPr>
+              <a:t>Graph isomorphism </a:t>
+            </a:r>
+          </a:p>
+          <a:p>
+            <a:pPr marL="0" indent="0">
+              <a:buNone/>
+            </a:pPr>
+            <a:r>
+              <a:rPr lang="en-US" sz="2400" dirty="0">
+                <a:solidFill>
+                  <a:schemeClr val="tx1"/>
+                </a:solidFill>
+                <a:latin typeface="Open Sans" panose="020B0606030504020204" pitchFamily="34" charset="0"/>
+              </a:rPr>
+              <a:t>Group 3:</a:t>
+            </a:r>
+          </a:p>
+          <a:p>
+            <a:pPr lvl="1"/>
+            <a:r>
+              <a:rPr lang="en-US" sz="2400" dirty="0">
+                <a:solidFill>
+                  <a:schemeClr val="tx1"/>
+                </a:solidFill>
+                <a:latin typeface="Open Sans" panose="020B0606030504020204" pitchFamily="34" charset="0"/>
+              </a:rPr>
+              <a:t>Subgraph</a:t>
+            </a:r>
+          </a:p>
+          <a:p>
+            <a:pPr lvl="1"/>
+            <a:r>
+              <a:rPr lang="en-US" sz="2400" dirty="0">
+                <a:solidFill>
+                  <a:schemeClr val="tx1"/>
+                </a:solidFill>
+                <a:latin typeface="Open Sans" panose="020B0606030504020204" pitchFamily="34" charset="0"/>
+              </a:rPr>
+              <a:t>Induced subgraph </a:t>
+            </a:r>
+          </a:p>
+          <a:p>
+            <a:pPr marL="0" indent="0">
+              <a:buNone/>
+            </a:pPr>
+            <a:r>
+              <a:rPr lang="en-US" sz="2400" dirty="0">
+                <a:solidFill>
+                  <a:schemeClr val="tx1"/>
+                </a:solidFill>
+                <a:latin typeface="Open Sans" panose="020B0606030504020204" pitchFamily="34" charset="0"/>
+              </a:rPr>
+              <a:t>Group 4: </a:t>
+            </a:r>
+          </a:p>
+          <a:p>
+            <a:pPr lvl="1"/>
+            <a:r>
+              <a:rPr lang="en-US" sz="2400" dirty="0">
+                <a:solidFill>
+                  <a:schemeClr val="tx1"/>
+                </a:solidFill>
+                <a:latin typeface="Open Sans" panose="020B0606030504020204" pitchFamily="34" charset="0"/>
+              </a:rPr>
+              <a:t>Handshake lemma </a:t>
+            </a:r>
+          </a:p>
+          <a:p>
+            <a:pPr lvl="1"/>
+            <a:r>
+              <a:rPr lang="en-US" sz="2400" dirty="0">
+                <a:solidFill>
+                  <a:schemeClr val="tx1"/>
+                </a:solidFill>
+                <a:latin typeface="Open Sans" panose="020B0606030504020204" pitchFamily="34" charset="0"/>
+              </a:rPr>
+              <a:t>Proposition: In any graph, the number of vertices with odd degree must be even.</a:t>
+            </a:r>
+          </a:p>
+          <a:p>
+            <a:pPr marL="0" indent="0">
+              <a:buNone/>
+            </a:pPr>
+            <a:r>
+              <a:rPr lang="en-US" sz="2400" dirty="0">
+                <a:solidFill>
+                  <a:schemeClr val="tx1"/>
+                </a:solidFill>
+                <a:latin typeface="Open Sans" panose="020B0606030504020204" pitchFamily="34" charset="0"/>
+              </a:rPr>
+              <a:t>Group 5: </a:t>
+            </a:r>
+          </a:p>
+          <a:p>
+            <a:pPr lvl="1"/>
+            <a:r>
+              <a:rPr lang="en-US" sz="2400" dirty="0">
+                <a:solidFill>
+                  <a:schemeClr val="tx1"/>
+                </a:solidFill>
+                <a:latin typeface="Open Sans" panose="020B0606030504020204" pitchFamily="34" charset="0"/>
+              </a:rPr>
+              <a:t>Bipartite graph </a:t>
+            </a:r>
+          </a:p>
+          <a:p>
+            <a:pPr lvl="1"/>
+            <a:r>
+              <a:rPr lang="en-US" sz="2400" dirty="0">
+                <a:solidFill>
+                  <a:schemeClr val="tx1"/>
+                </a:solidFill>
+                <a:latin typeface="Open Sans" panose="020B0606030504020204" pitchFamily="34" charset="0"/>
+              </a:rPr>
+              <a:t>Complete bipartite graph </a:t>
+            </a:r>
+          </a:p>
+        </p:txBody>
+      </p:sp>
+      <p:sp>
+        <p:nvSpPr>
+          <p:cNvPr id="3" name="Rounded Rectangle 2">
+            <a:extLst>
+              <a:ext uri="{FF2B5EF4-FFF2-40B4-BE49-F238E27FC236}">
+                <a16:creationId xmlns:a16="http://schemas.microsoft.com/office/drawing/2014/main" id="{4070FD0E-7A1E-E3D9-1C8B-9B1088C5399D}"/>
+              </a:ext>
+            </a:extLst>
+          </p:cNvPr>
+          <p:cNvSpPr/>
+          <p:nvPr/>
+        </p:nvSpPr>
+        <p:spPr>
+          <a:xfrm>
+            <a:off x="2474070" y="247973"/>
+            <a:ext cx="4766553" cy="6362054"/>
+          </a:xfrm>
+          <a:prstGeom prst="roundRect">
+            <a:avLst/>
+          </a:prstGeom>
+        </p:spPr>
+        <p:style>
+          <a:lnRef idx="0">
+            <a:schemeClr val="accent5"/>
+          </a:lnRef>
+          <a:fillRef idx="3">
+            <a:schemeClr val="accent5"/>
+          </a:fillRef>
+          <a:effectRef idx="3">
+            <a:schemeClr val="accent5"/>
+          </a:effectRef>
+          <a:fontRef idx="minor">
+            <a:schemeClr val="lt1"/>
+          </a:fontRef>
+        </p:style>
+        <p:txBody>
+          <a:bodyPr rtlCol="0" anchor="ctr"/>
+          <a:lstStyle/>
+          <a:p>
+            <a:r>
+              <a:rPr lang="en-US" sz="2400" dirty="0"/>
+              <a:t>Form 5 Groups</a:t>
+            </a:r>
+          </a:p>
+          <a:p>
+            <a:pPr marL="342900" indent="-342900">
+              <a:buFont typeface="Arial" panose="020B0604020202020204" pitchFamily="34" charset="0"/>
+              <a:buChar char="•"/>
+            </a:pPr>
+            <a:r>
+              <a:rPr lang="en-US" sz="2400" b="0" dirty="0"/>
+              <a:t>Each group will get a set of topics (listed to the right)</a:t>
+            </a:r>
+          </a:p>
+          <a:p>
+            <a:pPr marL="342900" indent="-342900">
+              <a:buFont typeface="Arial" panose="020B0604020202020204" pitchFamily="34" charset="0"/>
+              <a:buChar char="•"/>
+            </a:pPr>
+            <a:r>
+              <a:rPr lang="en-US" sz="2400" dirty="0"/>
+              <a:t>For your topics:</a:t>
+            </a:r>
+          </a:p>
+          <a:p>
+            <a:pPr marL="800100" lvl="1" indent="-342900">
+              <a:buFont typeface="Arial" panose="020B0604020202020204" pitchFamily="34" charset="0"/>
+              <a:buChar char="•"/>
+            </a:pPr>
+            <a:r>
+              <a:rPr lang="en-US" sz="2400" b="0" dirty="0"/>
+              <a:t>Define each</a:t>
+            </a:r>
+          </a:p>
+          <a:p>
+            <a:pPr marL="800100" lvl="1" indent="-342900">
+              <a:buFont typeface="Arial" panose="020B0604020202020204" pitchFamily="34" charset="0"/>
+              <a:buChar char="•"/>
+            </a:pPr>
+            <a:r>
+              <a:rPr lang="en-US" sz="2400" dirty="0"/>
+              <a:t>Show an example of each </a:t>
+            </a:r>
+          </a:p>
+          <a:p>
+            <a:pPr marL="800100" lvl="1" indent="-342900">
+              <a:buFont typeface="Arial" panose="020B0604020202020204" pitchFamily="34" charset="0"/>
+              <a:buChar char="•"/>
+            </a:pPr>
+            <a:r>
+              <a:rPr lang="en-US" sz="2400" b="0" dirty="0"/>
+              <a:t>Choose 1 and provide a practice problem</a:t>
+            </a:r>
+          </a:p>
+          <a:p>
+            <a:pPr marL="800100" lvl="1" indent="-342900">
+              <a:buFont typeface="Arial" panose="020B0604020202020204" pitchFamily="34" charset="0"/>
+              <a:buChar char="•"/>
+            </a:pPr>
+            <a:r>
+              <a:rPr lang="en-US" sz="2400" dirty="0"/>
+              <a:t>You will walk us all through your definitions, examples, and practice problem </a:t>
+            </a:r>
+            <a:endParaRPr lang="en-US" sz="2400" b="0" dirty="0"/>
+          </a:p>
+        </p:txBody>
+      </p:sp>
+    </p:spTree>
+    <p:extLst>
+      <p:ext uri="{BB962C8B-B14F-4D97-AF65-F5344CB8AC3E}">
+        <p14:creationId xmlns:p14="http://schemas.microsoft.com/office/powerpoint/2010/main" val="3344809402"/>
+      </p:ext>
+    </p:extLst>
+  </p:cSld>
+  <p:clrMapOvr>
+    <a:masterClrMapping/>
+  </p:clrMapOvr>
+</p:sld>
+</file>
+
+<file path=ppt/slides/slide5.xml><?xml version="1.0" encoding="utf-8"?>
+<p:sld xmlns:a="http://schemas.openxmlformats.org/drawingml/2006/main" xmlns:r="http://schemas.openxmlformats.org/officeDocument/2006/relationships" xmlns:p="http://schemas.openxmlformats.org/presentationml/2006/main">
+  <p:cSld>
+    <p:spTree>
+      <p:nvGrpSpPr>
+        <p:cNvPr id="1" name="">
+          <a:extLst>
+            <a:ext uri="{FF2B5EF4-FFF2-40B4-BE49-F238E27FC236}">
+              <a16:creationId xmlns:a16="http://schemas.microsoft.com/office/drawing/2014/main" id="{7E52BDC3-A2C5-E06B-A6A0-5C6F1DB2F8FD}"/>
+            </a:ext>
+          </a:extLst>
+        </p:cNvPr>
+        <p:cNvGrpSpPr/>
+        <p:nvPr/>
+      </p:nvGrpSpPr>
+      <p:grpSpPr>
+        <a:xfrm>
+          <a:off x="0" y="0"/>
+          <a:ext cx="0" cy="0"/>
+          <a:chOff x="0" y="0"/>
+          <a:chExt cx="0" cy="0"/>
+        </a:xfrm>
+      </p:grpSpPr>
+      <p:sp>
+        <p:nvSpPr>
+          <p:cNvPr id="2" name="Title 1">
+            <a:extLst>
+              <a:ext uri="{FF2B5EF4-FFF2-40B4-BE49-F238E27FC236}">
+                <a16:creationId xmlns:a16="http://schemas.microsoft.com/office/drawing/2014/main" id="{77CC2D04-2621-6F97-66B9-D05FF06D53C3}"/>
+              </a:ext>
+            </a:extLst>
+          </p:cNvPr>
+          <p:cNvSpPr>
+            <a:spLocks noGrp="1"/>
+          </p:cNvSpPr>
+          <p:nvPr>
+            <p:ph type="title"/>
+          </p:nvPr>
+        </p:nvSpPr>
+        <p:spPr/>
+        <p:txBody>
+          <a:bodyPr/>
+          <a:lstStyle/>
+          <a:p>
+            <a:r>
+              <a:rPr lang="en-US" dirty="0"/>
               <a:t>Named Graphs</a:t>
             </a:r>
           </a:p>
         </p:txBody>
       </p:sp>
-      <mc:AlternateContent xmlns:mc="http://schemas.openxmlformats.org/markup-compatibility/2006">
-        <mc:Choice xmlns:a14="http://schemas.microsoft.com/office/drawing/2010/main" Requires="a14">
+      <mc:AlternateContent xmlns:mc="http://schemas.openxmlformats.org/markup-compatibility/2006" xmlns:a14="http://schemas.microsoft.com/office/drawing/2010/main">
+        <mc:Choice Requires="a14">
           <p:sp>
             <p:nvSpPr>
               <p:cNvPr id="7" name="Content Placeholder 2">
@@ -6379,7 +7010,7 @@
             </p:txBody>
           </p:sp>
         </mc:Choice>
-        <mc:Fallback>
+        <mc:Fallback xmlns="">
           <p:sp>
             <p:nvSpPr>
               <p:cNvPr id="7" name="Content Placeholder 2">
@@ -6466,7 +7097,7 @@
 </p:sld>
 </file>
 
-<file path=ppt/slides/slide5.xml><?xml version="1.0" encoding="utf-8"?>
+<file path=ppt/slides/slide6.xml><?xml version="1.0" encoding="utf-8"?>
 <p:sld xmlns:a="http://schemas.openxmlformats.org/drawingml/2006/main" xmlns:r="http://schemas.openxmlformats.org/officeDocument/2006/relationships" xmlns:p="http://schemas.openxmlformats.org/presentationml/2006/main">
   <p:cSld>
     <p:spTree>
@@ -6978,7 +7609,7 @@
 </p:sld>
 </file>
 
-<file path=ppt/slides/slide6.xml><?xml version="1.0" encoding="utf-8"?>
+<file path=ppt/slides/slide7.xml><?xml version="1.0" encoding="utf-8"?>
 <p:sld xmlns:a="http://schemas.openxmlformats.org/drawingml/2006/main" xmlns:r="http://schemas.openxmlformats.org/officeDocument/2006/relationships" xmlns:p="http://schemas.openxmlformats.org/presentationml/2006/main">
   <p:cSld>
     <p:spTree>
@@ -7442,7 +8073,7 @@
 </p:sld>
 </file>
 
-<file path=ppt/slides/slide7.xml><?xml version="1.0" encoding="utf-8"?>
+<file path=ppt/slides/slide8.xml><?xml version="1.0" encoding="utf-8"?>
 <p:sld xmlns:a="http://schemas.openxmlformats.org/drawingml/2006/main" xmlns:r="http://schemas.openxmlformats.org/officeDocument/2006/relationships" xmlns:p="http://schemas.openxmlformats.org/presentationml/2006/main">
   <p:cSld>
     <p:spTree>
@@ -8107,455 +8738,6 @@
 </p:sld>
 </file>
 
-<file path=ppt/slides/slide8.xml><?xml version="1.0" encoding="utf-8"?>
-<p:sld xmlns:a="http://schemas.openxmlformats.org/drawingml/2006/main" xmlns:r="http://schemas.openxmlformats.org/officeDocument/2006/relationships" xmlns:p="http://schemas.openxmlformats.org/presentationml/2006/main">
-  <p:cSld>
-    <p:spTree>
-      <p:nvGrpSpPr>
-        <p:cNvPr id="1" name="">
-          <a:extLst>
-            <a:ext uri="{FF2B5EF4-FFF2-40B4-BE49-F238E27FC236}">
-              <a16:creationId xmlns:a16="http://schemas.microsoft.com/office/drawing/2014/main" id="{7E52BDC3-A2C5-E06B-A6A0-5C6F1DB2F8FD}"/>
-            </a:ext>
-          </a:extLst>
-        </p:cNvPr>
-        <p:cNvGrpSpPr/>
-        <p:nvPr/>
-      </p:nvGrpSpPr>
-      <p:grpSpPr>
-        <a:xfrm>
-          <a:off x="0" y="0"/>
-          <a:ext cx="0" cy="0"/>
-          <a:chOff x="0" y="0"/>
-          <a:chExt cx="0" cy="0"/>
-        </a:xfrm>
-      </p:grpSpPr>
-      <p:sp>
-        <p:nvSpPr>
-          <p:cNvPr id="2" name="Title 1">
-            <a:extLst>
-              <a:ext uri="{FF2B5EF4-FFF2-40B4-BE49-F238E27FC236}">
-                <a16:creationId xmlns:a16="http://schemas.microsoft.com/office/drawing/2014/main" id="{77CC2D04-2621-6F97-66B9-D05FF06D53C3}"/>
-              </a:ext>
-            </a:extLst>
-          </p:cNvPr>
-          <p:cNvSpPr>
-            <a:spLocks noGrp="1"/>
-          </p:cNvSpPr>
-          <p:nvPr>
-            <p:ph type="title"/>
-          </p:nvPr>
-        </p:nvSpPr>
-        <p:spPr/>
-        <p:txBody>
-          <a:bodyPr/>
-          <a:lstStyle/>
-          <a:p>
-            <a:r>
-              <a:rPr lang="en-US" dirty="0"/>
-              <a:t>Hamiltonian Paths</a:t>
-            </a:r>
-          </a:p>
-        </p:txBody>
-      </p:sp>
-      <p:sp>
-        <p:nvSpPr>
-          <p:cNvPr id="7" name="Content Placeholder 2">
-            <a:extLst>
-              <a:ext uri="{FF2B5EF4-FFF2-40B4-BE49-F238E27FC236}">
-                <a16:creationId xmlns:a16="http://schemas.microsoft.com/office/drawing/2014/main" id="{A2A23143-23FE-2814-A561-D6223D8E1CEC}"/>
-              </a:ext>
-            </a:extLst>
-          </p:cNvPr>
-          <p:cNvSpPr txBox="1">
-            <a:spLocks/>
-          </p:cNvSpPr>
-          <p:nvPr/>
-        </p:nvSpPr>
-        <p:spPr>
-          <a:xfrm>
-            <a:off x="3456123" y="247973"/>
-            <a:ext cx="7895049" cy="6214820"/>
-          </a:xfrm>
-          <a:prstGeom prst="rect">
-            <a:avLst/>
-          </a:prstGeom>
-        </p:spPr>
-        <p:txBody>
-          <a:bodyPr vert="horz" lIns="91440" tIns="45720" rIns="91440" bIns="45720" rtlCol="0" anchor="t">
-            <a:normAutofit/>
-          </a:bodyPr>
-          <a:lstStyle>
-            <a:lvl1pPr marL="182880" indent="-182880" algn="l" defTabSz="914400" rtl="0" eaLnBrk="1" latinLnBrk="0" hangingPunct="1">
-              <a:lnSpc>
-                <a:spcPct val="90000"/>
-              </a:lnSpc>
-              <a:spcBef>
-                <a:spcPts val="1200"/>
-              </a:spcBef>
-              <a:buClr>
-                <a:schemeClr val="accent1"/>
-              </a:buClr>
-              <a:buFont typeface="Wingdings 2" pitchFamily="18" charset="2"/>
-              <a:buChar char=""/>
-              <a:defRPr sz="2000" kern="1200">
-                <a:solidFill>
-                  <a:schemeClr val="tx1">
-                    <a:lumMod val="75000"/>
-                    <a:lumOff val="25000"/>
-                  </a:schemeClr>
-                </a:solidFill>
-                <a:latin typeface="+mn-lt"/>
-                <a:ea typeface="+mn-ea"/>
-                <a:cs typeface="+mn-cs"/>
-              </a:defRPr>
-            </a:lvl1pPr>
-            <a:lvl2pPr marL="685800" indent="-182880" algn="l" defTabSz="914400" rtl="0" eaLnBrk="1" latinLnBrk="0" hangingPunct="1">
-              <a:lnSpc>
-                <a:spcPct val="90000"/>
-              </a:lnSpc>
-              <a:spcBef>
-                <a:spcPts val="250"/>
-              </a:spcBef>
-              <a:spcAft>
-                <a:spcPts val="250"/>
-              </a:spcAft>
-              <a:buClr>
-                <a:schemeClr val="accent1"/>
-              </a:buClr>
-              <a:buFont typeface="Wingdings 2" pitchFamily="18" charset="2"/>
-              <a:buChar char=""/>
-              <a:defRPr sz="1800" kern="1200">
-                <a:solidFill>
-                  <a:schemeClr val="tx1">
-                    <a:lumMod val="75000"/>
-                    <a:lumOff val="25000"/>
-                  </a:schemeClr>
-                </a:solidFill>
-                <a:latin typeface="+mn-lt"/>
-                <a:ea typeface="+mn-ea"/>
-                <a:cs typeface="+mn-cs"/>
-              </a:defRPr>
-            </a:lvl2pPr>
-            <a:lvl3pPr marL="1143000" indent="-182880" algn="l" defTabSz="914400" rtl="0" eaLnBrk="1" latinLnBrk="0" hangingPunct="1">
-              <a:lnSpc>
-                <a:spcPct val="90000"/>
-              </a:lnSpc>
-              <a:spcBef>
-                <a:spcPts val="250"/>
-              </a:spcBef>
-              <a:spcAft>
-                <a:spcPts val="250"/>
-              </a:spcAft>
-              <a:buClr>
-                <a:schemeClr val="accent1"/>
-              </a:buClr>
-              <a:buFont typeface="Wingdings 2" pitchFamily="18" charset="2"/>
-              <a:buChar char=""/>
-              <a:defRPr sz="1600" kern="1200">
-                <a:solidFill>
-                  <a:schemeClr val="tx1">
-                    <a:lumMod val="75000"/>
-                    <a:lumOff val="25000"/>
-                  </a:schemeClr>
-                </a:solidFill>
-                <a:latin typeface="+mn-lt"/>
-                <a:ea typeface="+mn-ea"/>
-                <a:cs typeface="+mn-cs"/>
-              </a:defRPr>
-            </a:lvl3pPr>
-            <a:lvl4pPr marL="1600200" indent="-182880" algn="l" defTabSz="914400" rtl="0" eaLnBrk="1" latinLnBrk="0" hangingPunct="1">
-              <a:lnSpc>
-                <a:spcPct val="90000"/>
-              </a:lnSpc>
-              <a:spcBef>
-                <a:spcPts val="250"/>
-              </a:spcBef>
-              <a:spcAft>
-                <a:spcPts val="250"/>
-              </a:spcAft>
-              <a:buClr>
-                <a:schemeClr val="accent1"/>
-              </a:buClr>
-              <a:buFont typeface="Wingdings 2" pitchFamily="18" charset="2"/>
-              <a:buChar char=""/>
-              <a:defRPr sz="1400" kern="1200">
-                <a:solidFill>
-                  <a:schemeClr val="tx1">
-                    <a:lumMod val="75000"/>
-                    <a:lumOff val="25000"/>
-                  </a:schemeClr>
-                </a:solidFill>
-                <a:latin typeface="+mn-lt"/>
-                <a:ea typeface="+mn-ea"/>
-                <a:cs typeface="+mn-cs"/>
-              </a:defRPr>
-            </a:lvl4pPr>
-            <a:lvl5pPr marL="2057400" indent="-182880" algn="l" defTabSz="914400" rtl="0" eaLnBrk="1" latinLnBrk="0" hangingPunct="1">
-              <a:lnSpc>
-                <a:spcPct val="90000"/>
-              </a:lnSpc>
-              <a:spcBef>
-                <a:spcPts val="250"/>
-              </a:spcBef>
-              <a:spcAft>
-                <a:spcPts val="250"/>
-              </a:spcAft>
-              <a:buClr>
-                <a:schemeClr val="accent1"/>
-              </a:buClr>
-              <a:buFont typeface="Wingdings 2" pitchFamily="18" charset="2"/>
-              <a:buChar char=""/>
-              <a:defRPr sz="1400" kern="1200">
-                <a:solidFill>
-                  <a:schemeClr val="tx1">
-                    <a:lumMod val="75000"/>
-                    <a:lumOff val="25000"/>
-                  </a:schemeClr>
-                </a:solidFill>
-                <a:latin typeface="+mn-lt"/>
-                <a:ea typeface="+mn-ea"/>
-                <a:cs typeface="+mn-cs"/>
-              </a:defRPr>
-            </a:lvl5pPr>
-            <a:lvl6pPr marL="2514600" indent="-228600" algn="l" defTabSz="914400" rtl="0" eaLnBrk="1" latinLnBrk="0" hangingPunct="1">
-              <a:lnSpc>
-                <a:spcPct val="90000"/>
-              </a:lnSpc>
-              <a:spcBef>
-                <a:spcPts val="250"/>
-              </a:spcBef>
-              <a:spcAft>
-                <a:spcPts val="250"/>
-              </a:spcAft>
-              <a:buClr>
-                <a:schemeClr val="accent1"/>
-              </a:buClr>
-              <a:buFont typeface="Wingdings 2" pitchFamily="18" charset="2"/>
-              <a:buChar char=""/>
-              <a:defRPr sz="1400" kern="1200">
-                <a:solidFill>
-                  <a:schemeClr val="tx1">
-                    <a:lumMod val="75000"/>
-                    <a:lumOff val="25000"/>
-                  </a:schemeClr>
-                </a:solidFill>
-                <a:latin typeface="+mn-lt"/>
-                <a:ea typeface="+mn-ea"/>
-                <a:cs typeface="+mn-cs"/>
-              </a:defRPr>
-            </a:lvl6pPr>
-            <a:lvl7pPr marL="2971800" indent="-228600" algn="l" defTabSz="914400" rtl="0" eaLnBrk="1" latinLnBrk="0" hangingPunct="1">
-              <a:lnSpc>
-                <a:spcPct val="90000"/>
-              </a:lnSpc>
-              <a:spcBef>
-                <a:spcPts val="250"/>
-              </a:spcBef>
-              <a:spcAft>
-                <a:spcPts val="250"/>
-              </a:spcAft>
-              <a:buClr>
-                <a:schemeClr val="accent1"/>
-              </a:buClr>
-              <a:buFont typeface="Wingdings 2" pitchFamily="18" charset="2"/>
-              <a:buChar char=""/>
-              <a:defRPr sz="1400" kern="1200">
-                <a:solidFill>
-                  <a:schemeClr val="tx1">
-                    <a:lumMod val="75000"/>
-                    <a:lumOff val="25000"/>
-                  </a:schemeClr>
-                </a:solidFill>
-                <a:latin typeface="+mn-lt"/>
-                <a:ea typeface="+mn-ea"/>
-                <a:cs typeface="+mn-cs"/>
-              </a:defRPr>
-            </a:lvl7pPr>
-            <a:lvl8pPr marL="3429000" indent="-228600" algn="l" defTabSz="914400" rtl="0" eaLnBrk="1" latinLnBrk="0" hangingPunct="1">
-              <a:lnSpc>
-                <a:spcPct val="90000"/>
-              </a:lnSpc>
-              <a:spcBef>
-                <a:spcPts val="250"/>
-              </a:spcBef>
-              <a:spcAft>
-                <a:spcPts val="250"/>
-              </a:spcAft>
-              <a:buClr>
-                <a:schemeClr val="accent1"/>
-              </a:buClr>
-              <a:buFont typeface="Wingdings 2" pitchFamily="18" charset="2"/>
-              <a:buChar char=""/>
-              <a:defRPr sz="1400" kern="1200">
-                <a:solidFill>
-                  <a:schemeClr val="tx1">
-                    <a:lumMod val="75000"/>
-                    <a:lumOff val="25000"/>
-                  </a:schemeClr>
-                </a:solidFill>
-                <a:latin typeface="+mn-lt"/>
-                <a:ea typeface="+mn-ea"/>
-                <a:cs typeface="+mn-cs"/>
-              </a:defRPr>
-            </a:lvl8pPr>
-            <a:lvl9pPr marL="3886200" indent="-228600" algn="l" defTabSz="914400" rtl="0" eaLnBrk="1" latinLnBrk="0" hangingPunct="1">
-              <a:lnSpc>
-                <a:spcPct val="90000"/>
-              </a:lnSpc>
-              <a:spcBef>
-                <a:spcPts val="250"/>
-              </a:spcBef>
-              <a:spcAft>
-                <a:spcPts val="250"/>
-              </a:spcAft>
-              <a:buClr>
-                <a:schemeClr val="accent1"/>
-              </a:buClr>
-              <a:buFont typeface="Wingdings 2" pitchFamily="18" charset="2"/>
-              <a:buChar char=""/>
-              <a:defRPr sz="1400" kern="1200">
-                <a:solidFill>
-                  <a:schemeClr val="tx1">
-                    <a:lumMod val="75000"/>
-                    <a:lumOff val="25000"/>
-                  </a:schemeClr>
-                </a:solidFill>
-                <a:latin typeface="+mn-lt"/>
-                <a:ea typeface="+mn-ea"/>
-                <a:cs typeface="+mn-cs"/>
-              </a:defRPr>
-            </a:lvl9pPr>
-          </a:lstStyle>
-          <a:p>
-            <a:pPr marL="0" indent="0">
-              <a:buFont typeface="Wingdings 2" pitchFamily="18" charset="2"/>
-              <a:buNone/>
-            </a:pPr>
-            <a:endParaRPr lang="en-US" sz="2400" dirty="0">
-              <a:solidFill>
-                <a:schemeClr val="tx1"/>
-              </a:solidFill>
-              <a:latin typeface="Open Sans" panose="020B0606030504020204" pitchFamily="34" charset="0"/>
-            </a:endParaRPr>
-          </a:p>
-          <a:p>
-            <a:pPr marL="0" indent="0">
-              <a:buFont typeface="Wingdings 2" pitchFamily="18" charset="2"/>
-              <a:buNone/>
-            </a:pPr>
-            <a:r>
-              <a:rPr lang="en-US" sz="2400" dirty="0">
-                <a:solidFill>
-                  <a:schemeClr val="tx1"/>
-                </a:solidFill>
-                <a:latin typeface="Open Sans" panose="020B0606030504020204" pitchFamily="34" charset="0"/>
-              </a:rPr>
-              <a:t>A </a:t>
-            </a:r>
-            <a:r>
-              <a:rPr lang="en-US" sz="2400" b="1" i="1" dirty="0">
-                <a:solidFill>
-                  <a:schemeClr val="tx1"/>
-                </a:solidFill>
-                <a:latin typeface="Open Sans" panose="020B0606030504020204" pitchFamily="34" charset="0"/>
-              </a:rPr>
-              <a:t>Hamiltonian path </a:t>
-            </a:r>
-            <a:r>
-              <a:rPr lang="en-US" sz="2400" dirty="0">
-                <a:solidFill>
-                  <a:schemeClr val="tx1"/>
-                </a:solidFill>
-                <a:latin typeface="Open Sans" panose="020B0606030504020204" pitchFamily="34" charset="0"/>
-              </a:rPr>
-              <a:t>is a path which visits every vertex exactly once.  </a:t>
-            </a:r>
-          </a:p>
-          <a:p>
-            <a:pPr marL="0" indent="0">
-              <a:buFont typeface="Wingdings 2" pitchFamily="18" charset="2"/>
-              <a:buNone/>
-            </a:pPr>
-            <a:endParaRPr lang="en-US" sz="2400" dirty="0">
-              <a:solidFill>
-                <a:schemeClr val="tx1"/>
-              </a:solidFill>
-              <a:latin typeface="Open Sans" panose="020B0606030504020204" pitchFamily="34" charset="0"/>
-            </a:endParaRPr>
-          </a:p>
-          <a:p>
-            <a:pPr marL="0" indent="0">
-              <a:buFont typeface="Wingdings 2" pitchFamily="18" charset="2"/>
-              <a:buNone/>
-            </a:pPr>
-            <a:r>
-              <a:rPr lang="en-US" sz="2400" dirty="0">
-                <a:solidFill>
-                  <a:schemeClr val="tx1"/>
-                </a:solidFill>
-                <a:latin typeface="Open Sans" panose="020B0606030504020204" pitchFamily="34" charset="0"/>
-              </a:rPr>
-              <a:t>A </a:t>
-            </a:r>
-            <a:r>
-              <a:rPr lang="en-US" sz="2400" b="1" i="1" dirty="0">
-                <a:solidFill>
-                  <a:schemeClr val="tx1"/>
-                </a:solidFill>
-                <a:latin typeface="Open Sans" panose="020B0606030504020204" pitchFamily="34" charset="0"/>
-              </a:rPr>
-              <a:t>Hamiltonian cycle </a:t>
-            </a:r>
-            <a:r>
-              <a:rPr lang="en-US" sz="2400" dirty="0">
-                <a:solidFill>
-                  <a:schemeClr val="tx1"/>
-                </a:solidFill>
-                <a:latin typeface="Open Sans" panose="020B0606030504020204" pitchFamily="34" charset="0"/>
-              </a:rPr>
-              <a:t>is a Hamiltonian path that starts and stops at the same vertex. </a:t>
-            </a:r>
-          </a:p>
-          <a:p>
-            <a:pPr marL="0" indent="0">
-              <a:buFont typeface="Wingdings 2" pitchFamily="18" charset="2"/>
-              <a:buNone/>
-            </a:pPr>
-            <a:endParaRPr lang="en-US" sz="2400" dirty="0">
-              <a:solidFill>
-                <a:schemeClr val="tx1"/>
-              </a:solidFill>
-              <a:latin typeface="Open Sans" panose="020B0606030504020204" pitchFamily="34" charset="0"/>
-            </a:endParaRPr>
-          </a:p>
-          <a:p>
-            <a:pPr marL="0" indent="0">
-              <a:buFont typeface="Wingdings 2" pitchFamily="18" charset="2"/>
-              <a:buNone/>
-            </a:pPr>
-            <a:endParaRPr lang="en-US" sz="2400" dirty="0">
-              <a:solidFill>
-                <a:schemeClr val="tx1"/>
-              </a:solidFill>
-              <a:latin typeface="Open Sans" panose="020B0606030504020204" pitchFamily="34" charset="0"/>
-            </a:endParaRPr>
-          </a:p>
-        </p:txBody>
-      </p:sp>
-    </p:spTree>
-    <p:extLst>
-      <p:ext uri="{BB962C8B-B14F-4D97-AF65-F5344CB8AC3E}">
-        <p14:creationId xmlns:p14="http://schemas.microsoft.com/office/powerpoint/2010/main" val="1563229915"/>
-      </p:ext>
-    </p:extLst>
-  </p:cSld>
-  <p:clrMapOvr>
-    <a:masterClrMapping/>
-  </p:clrMapOvr>
-</p:sld>
-</file>
-
 <file path=ppt/slides/slide9.xml><?xml version="1.0" encoding="utf-8"?>
 <p:sld xmlns:a="http://schemas.openxmlformats.org/drawingml/2006/main" xmlns:r="http://schemas.openxmlformats.org/officeDocument/2006/relationships" xmlns:p="http://schemas.openxmlformats.org/presentationml/2006/main">
   <p:cSld>
@@ -8992,86 +9174,10 @@
           </a:p>
         </p:txBody>
       </p:sp>
-      <p:pic>
-        <p:nvPicPr>
-          <p:cNvPr id="4" name="Picture 3" descr="A white background with black dots&#10;&#10;Description automatically generated">
-            <a:extLst>
-              <a:ext uri="{FF2B5EF4-FFF2-40B4-BE49-F238E27FC236}">
-                <a16:creationId xmlns:a16="http://schemas.microsoft.com/office/drawing/2014/main" id="{CFDA82C1-6A5A-9FFC-0304-13072E2614EC}"/>
-              </a:ext>
-            </a:extLst>
-          </p:cNvPr>
-          <p:cNvPicPr>
-            <a:picLocks noChangeAspect="1"/>
-          </p:cNvPicPr>
-          <p:nvPr/>
-        </p:nvPicPr>
-        <p:blipFill>
-          <a:blip r:embed="rId3"/>
-          <a:stretch>
-            <a:fillRect/>
-          </a:stretch>
-        </p:blipFill>
-        <p:spPr>
-          <a:xfrm>
-            <a:off x="3944620" y="3016250"/>
-            <a:ext cx="6749506" cy="1921510"/>
-          </a:xfrm>
-          <a:prstGeom prst="rect">
-            <a:avLst/>
-          </a:prstGeom>
-        </p:spPr>
-      </p:pic>
-      <p:sp>
-        <p:nvSpPr>
-          <p:cNvPr id="5" name="Rounded Rectangle 4">
-            <a:extLst>
-              <a:ext uri="{FF2B5EF4-FFF2-40B4-BE49-F238E27FC236}">
-                <a16:creationId xmlns:a16="http://schemas.microsoft.com/office/drawing/2014/main" id="{772AC0C0-2286-16E3-31AD-7CDEE7BD6CCE}"/>
-              </a:ext>
-            </a:extLst>
-          </p:cNvPr>
-          <p:cNvSpPr/>
-          <p:nvPr/>
-        </p:nvSpPr>
-        <p:spPr>
-          <a:xfrm>
-            <a:off x="4460294" y="5084994"/>
-            <a:ext cx="5886706" cy="1525033"/>
-          </a:xfrm>
-          <a:prstGeom prst="roundRect">
-            <a:avLst/>
-          </a:prstGeom>
-        </p:spPr>
-        <p:style>
-          <a:lnRef idx="0">
-            <a:schemeClr val="accent5"/>
-          </a:lnRef>
-          <a:fillRef idx="3">
-            <a:schemeClr val="accent5"/>
-          </a:fillRef>
-          <a:effectRef idx="3">
-            <a:schemeClr val="accent5"/>
-          </a:effectRef>
-          <a:fontRef idx="minor">
-            <a:schemeClr val="lt1"/>
-          </a:fontRef>
-        </p:style>
-        <p:txBody>
-          <a:bodyPr rtlCol="0" anchor="ctr"/>
-          <a:lstStyle/>
-          <a:p>
-            <a:r>
-              <a:rPr lang="en-US" sz="2400" dirty="0"/>
-              <a:t>Do these graphs have a Hamiltonian path? </a:t>
-            </a:r>
-          </a:p>
-        </p:txBody>
-      </p:sp>
     </p:spTree>
     <p:extLst>
       <p:ext uri="{BB962C8B-B14F-4D97-AF65-F5344CB8AC3E}">
-        <p14:creationId xmlns:p14="http://schemas.microsoft.com/office/powerpoint/2010/main" val="3843053015"/>
+        <p14:creationId xmlns:p14="http://schemas.microsoft.com/office/powerpoint/2010/main" val="1563229915"/>
       </p:ext>
     </p:extLst>
   </p:cSld>
